--- a/최종/Funny Piano 발표.pptx
+++ b/최종/Funny Piano 발표.pptx
@@ -19,12 +19,12 @@
   <p:notesSz cx="6858000" cy="9144000"/>
   <p:embeddedFontLst>
     <p:embeddedFont>
-      <p:font typeface="맑은 고딕" pitchFamily="50" charset="-127"/>
+      <p:font typeface="맑은 고딕" panose="020B0503020000020004" pitchFamily="50" charset="-127"/>
       <p:regular r:id="rId9"/>
       <p:bold r:id="rId10"/>
     </p:embeddedFont>
     <p:embeddedFont>
-      <p:font typeface="나눔바른고딕" charset="-127"/>
+      <p:font typeface="나눔바른고딕" panose="020B0600000101010101" charset="-127"/>
       <p:regular r:id="rId11"/>
       <p:bold r:id="rId12"/>
     </p:embeddedFont>
@@ -156,7 +156,7 @@
   </p:defaultTextStyle>
   <p:extLst>
     <p:ext uri="{EFAFB233-063F-42B5-8137-9DF3F51BA10A}">
-      <p15:sldGuideLst xmlns="" xmlns:p15="http://schemas.microsoft.com/office/powerpoint/2012/main">
+      <p15:sldGuideLst xmlns:p15="http://schemas.microsoft.com/office/powerpoint/2012/main">
         <p15:guide id="1" orient="horz" pos="2160">
           <p15:clr>
             <a:srgbClr val="A4A3A4"/>
@@ -5727,7 +5727,19 @@
                 <a:latin typeface="나눔바른고딕" panose="020B0603020101020101" pitchFamily="50" charset="-127"/>
                 <a:ea typeface="나눔바른고딕" panose="020B0603020101020101" pitchFamily="50" charset="-127"/>
               </a:rPr>
-              <a:t>: Funny Piano</a:t>
+              <a:t>: Funny </a:t>
+            </a:r>
+            <a:r>
+              <a:rPr kumimoji="0" lang="en-US" altLang="ko-KR" sz="3200" b="1" dirty="0" smtClean="0">
+                <a:solidFill>
+                  <a:schemeClr val="bg1">
+                    <a:alpha val="90000"/>
+                  </a:schemeClr>
+                </a:solidFill>
+                <a:latin typeface="나눔바른고딕" panose="020B0603020101020101" pitchFamily="50" charset="-127"/>
+                <a:ea typeface="나눔바른고딕" panose="020B0603020101020101" pitchFamily="50" charset="-127"/>
+              </a:rPr>
+              <a:t>Piano (FP)</a:t>
             </a:r>
             <a:r>
               <a:rPr kumimoji="0" lang="ko-KR" altLang="en-US" sz="3200" b="1" dirty="0" smtClean="0">
@@ -5811,7 +5823,7 @@
               <a:t>마이크로프로세서 </a:t>
             </a:r>
             <a:r>
-              <a:rPr kumimoji="0" lang="en-US" altLang="ko-KR" sz="1400" spc="200" dirty="0">
+              <a:rPr kumimoji="0" lang="ko-KR" altLang="en-US" sz="1400" spc="200" dirty="0" smtClean="0">
                 <a:solidFill>
                   <a:schemeClr val="tx1">
                     <a:lumMod val="85000"/>
@@ -5822,7 +5834,7 @@
                 <a:latin typeface="나눔바른고딕" panose="020B0603020101020101" pitchFamily="50" charset="-127"/>
                 <a:ea typeface="나눔바른고딕" panose="020B0603020101020101" pitchFamily="50" charset="-127"/>
               </a:rPr>
-              <a:t>2</a:t>
+              <a:t>및 실습</a:t>
             </a:r>
             <a:r>
               <a:rPr kumimoji="0" lang="ko-KR" altLang="en-US" sz="1400" spc="200" dirty="0" smtClean="0">
@@ -5836,7 +5848,49 @@
                 <a:latin typeface="나눔바른고딕" panose="020B0603020101020101" pitchFamily="50" charset="-127"/>
                 <a:ea typeface="나눔바른고딕" panose="020B0603020101020101" pitchFamily="50" charset="-127"/>
               </a:rPr>
-              <a:t>분반 </a:t>
+              <a:t> </a:t>
+            </a:r>
+            <a:r>
+              <a:rPr kumimoji="0" lang="en-US" altLang="ko-KR" sz="1400" spc="200" dirty="0" smtClean="0">
+                <a:solidFill>
+                  <a:schemeClr val="tx1">
+                    <a:lumMod val="85000"/>
+                    <a:lumOff val="15000"/>
+                    <a:alpha val="90000"/>
+                  </a:schemeClr>
+                </a:solidFill>
+                <a:latin typeface="나눔바른고딕" panose="020B0603020101020101" pitchFamily="50" charset="-127"/>
+                <a:ea typeface="나눔바른고딕" panose="020B0603020101020101" pitchFamily="50" charset="-127"/>
+              </a:rPr>
+              <a:t>2</a:t>
+            </a:r>
+            <a:r>
+              <a:rPr kumimoji="0" lang="ko-KR" altLang="en-US" sz="1400" spc="200" dirty="0" smtClean="0">
+                <a:solidFill>
+                  <a:schemeClr val="tx1">
+                    <a:lumMod val="85000"/>
+                    <a:lumOff val="15000"/>
+                    <a:alpha val="90000"/>
+                  </a:schemeClr>
+                </a:solidFill>
+                <a:latin typeface="나눔바른고딕" panose="020B0603020101020101" pitchFamily="50" charset="-127"/>
+                <a:ea typeface="나눔바른고딕" panose="020B0603020101020101" pitchFamily="50" charset="-127"/>
+              </a:rPr>
+              <a:t>분</a:t>
+            </a:r>
+            <a:r>
+              <a:rPr kumimoji="0" lang="ko-KR" altLang="en-US" sz="1400" spc="200" dirty="0">
+                <a:solidFill>
+                  <a:schemeClr val="tx1">
+                    <a:lumMod val="85000"/>
+                    <a:lumOff val="15000"/>
+                    <a:alpha val="90000"/>
+                  </a:schemeClr>
+                </a:solidFill>
+                <a:latin typeface="나눔바른고딕" panose="020B0603020101020101" pitchFamily="50" charset="-127"/>
+                <a:ea typeface="나눔바른고딕" panose="020B0603020101020101" pitchFamily="50" charset="-127"/>
+              </a:rPr>
+              <a:t>반</a:t>
             </a:r>
             <a:endParaRPr kumimoji="0" lang="en-US" altLang="ko-KR" sz="1400" spc="200" dirty="0" smtClean="0">
               <a:solidFill>
@@ -5886,7 +5940,21 @@
                 <a:latin typeface="나눔바른고딕" panose="020B0603020101020101" pitchFamily="50" charset="-127"/>
                 <a:ea typeface="나눔바른고딕" panose="020B0603020101020101" pitchFamily="50" charset="-127"/>
               </a:rPr>
-              <a:t>강  산</a:t>
+              <a:t>강  </a:t>
+            </a:r>
+            <a:r>
+              <a:rPr kumimoji="0" lang="ko-KR" altLang="en-US" sz="1400" spc="200" dirty="0" smtClean="0">
+                <a:solidFill>
+                  <a:schemeClr val="tx1">
+                    <a:lumMod val="85000"/>
+                    <a:lumOff val="15000"/>
+                    <a:alpha val="90000"/>
+                  </a:schemeClr>
+                </a:solidFill>
+                <a:latin typeface="나눔바른고딕" panose="020B0603020101020101" pitchFamily="50" charset="-127"/>
+                <a:ea typeface="나눔바른고딕" panose="020B0603020101020101" pitchFamily="50" charset="-127"/>
+              </a:rPr>
+              <a:t> 산</a:t>
             </a:r>
             <a:endParaRPr kumimoji="0" lang="en-US" altLang="ko-KR" sz="1400" spc="200" dirty="0" smtClean="0">
               <a:solidFill>
@@ -8748,7 +8816,7 @@
   <a:extraClrSchemeLst/>
   <a:extLst>
     <a:ext uri="{05A4C25C-085E-4340-85A3-A5531E510DB2}">
-      <thm15:themeFamily xmlns="" xmlns:thm15="http://schemas.microsoft.com/office/thememl/2012/main" name="Office Theme" id="{62F939B6-93AF-4DB8-9C6B-D6C7DFDC589F}" vid="{4A3C46E8-61CC-4603-A589-7422A47A8E4A}"/>
+      <thm15:themeFamily xmlns:thm15="http://schemas.microsoft.com/office/thememl/2012/main" name="Office Theme" id="{62F939B6-93AF-4DB8-9C6B-D6C7DFDC589F}" vid="{4A3C46E8-61CC-4603-A589-7422A47A8E4A}"/>
     </a:ext>
   </a:extLst>
 </a:theme>
